--- a/dsproj.pptx
+++ b/dsproj.pptx
@@ -6,13 +6,14 @@
   </p:sldMasterIdLst>
   <p:sldIdLst>
     <p:sldId id="256" r:id="rId2"/>
-    <p:sldId id="257" r:id="rId3"/>
-    <p:sldId id="258" r:id="rId4"/>
-    <p:sldId id="259" r:id="rId5"/>
-    <p:sldId id="260" r:id="rId6"/>
-    <p:sldId id="261" r:id="rId7"/>
-    <p:sldId id="262" r:id="rId8"/>
-    <p:sldId id="263" r:id="rId9"/>
+    <p:sldId id="264" r:id="rId3"/>
+    <p:sldId id="257" r:id="rId4"/>
+    <p:sldId id="258" r:id="rId5"/>
+    <p:sldId id="259" r:id="rId6"/>
+    <p:sldId id="260" r:id="rId7"/>
+    <p:sldId id="261" r:id="rId8"/>
+    <p:sldId id="262" r:id="rId9"/>
+    <p:sldId id="263" r:id="rId10"/>
   </p:sldIdLst>
   <p:sldSz cx="12192000" cy="6858000"/>
   <p:notesSz cx="6858000" cy="9144000"/>
@@ -111,6 +112,11 @@
       </a:defRPr>
     </a:lvl9pPr>
   </p:defaultTextStyle>
+  <p:extLst>
+    <p:ext uri="{EFAFB233-063F-42B5-8137-9DF3F51BA10A}">
+      <p15:sldGuideLst xmlns:p15="http://schemas.microsoft.com/office/powerpoint/2012/main"/>
+    </p:ext>
+  </p:extLst>
 </p:presentation>
 </file>
 
@@ -3011,14 +3017,14 @@
       </p:sp>
       <p:sp>
         <p:nvSpPr>
-          <p:cNvPr id="9" name="TextBox 8"/>
+          <p:cNvPr id="2" name="TextBox 1"/>
           <p:cNvSpPr txBox="1"/>
           <p:nvPr/>
         </p:nvSpPr>
         <p:spPr>
           <a:xfrm>
-            <a:off x="3971636" y="1339273"/>
-            <a:ext cx="3814619" cy="461665"/>
+            <a:off x="5292437" y="1782618"/>
+            <a:ext cx="5070764" cy="3693319"/>
           </a:xfrm>
           <a:prstGeom prst="rect">
             <a:avLst/>
@@ -3031,135 +3037,152 @@
           </a:bodyPr>
           <a:lstStyle/>
           <a:p>
-            <a:r>
-              <a:rPr lang="en-US" dirty="0" smtClean="0"/>
+            <a:pPr marL="285750" indent="-285750">
+              <a:buFontTx/>
+              <a:buChar char="-"/>
+            </a:pPr>
+            <a:r>
+              <a:rPr lang="en-US" dirty="0" smtClean="0"/>
+              <a:t>By</a:t>
+            </a:r>
+            <a:r>
+              <a:rPr lang="en-IN" dirty="0" smtClean="0"/>
+              <a:t> :-</a:t>
+            </a:r>
+          </a:p>
+          <a:p>
+            <a:r>
+              <a:rPr lang="en-US" dirty="0"/>
               <a:t>	</a:t>
             </a:r>
             <a:r>
-              <a:rPr lang="en-US" sz="2400" u="sng" dirty="0" smtClean="0"/>
-              <a:t>Introduction</a:t>
-            </a:r>
-            <a:endParaRPr lang="en-IN" sz="2400" u="sng" dirty="0"/>
-          </a:p>
-        </p:txBody>
-      </p:sp>
-      <p:sp>
-        <p:nvSpPr>
-          <p:cNvPr id="10" name="TextBox 9"/>
-          <p:cNvSpPr txBox="1"/>
-          <p:nvPr/>
-        </p:nvSpPr>
-        <p:spPr>
-          <a:xfrm>
-            <a:off x="858982" y="2004291"/>
-            <a:ext cx="2105891" cy="526473"/>
-          </a:xfrm>
-          <a:prstGeom prst="rect">
-            <a:avLst/>
-          </a:prstGeom>
-          <a:noFill/>
-        </p:spPr>
-        <p:txBody>
-          <a:bodyPr wrap="square" rtlCol="0">
-            <a:spAutoFit/>
-          </a:bodyPr>
-          <a:lstStyle/>
-          <a:p>
-            <a:endParaRPr lang="en-IN" dirty="0"/>
-          </a:p>
-        </p:txBody>
-      </p:sp>
-      <p:sp>
-        <p:nvSpPr>
-          <p:cNvPr id="11" name="TextBox 10"/>
-          <p:cNvSpPr txBox="1"/>
-          <p:nvPr/>
-        </p:nvSpPr>
-        <p:spPr>
-          <a:xfrm>
-            <a:off x="960582" y="2189018"/>
-            <a:ext cx="10714182" cy="2308324"/>
-          </a:xfrm>
-          <a:prstGeom prst="rect">
-            <a:avLst/>
-          </a:prstGeom>
-          <a:noFill/>
-        </p:spPr>
-        <p:txBody>
-          <a:bodyPr wrap="square" rtlCol="0">
-            <a:spAutoFit/>
-          </a:bodyPr>
-          <a:lstStyle/>
+              <a:rPr lang="en-US" dirty="0" err="1" smtClean="0"/>
+              <a:t>Ankith</a:t>
+            </a:r>
+            <a:endParaRPr lang="en-US" dirty="0" smtClean="0"/>
+          </a:p>
+          <a:p>
+            <a:r>
+              <a:rPr lang="en-US" dirty="0"/>
+              <a:t>	</a:t>
+            </a:r>
+            <a:r>
+              <a:rPr lang="en-US" dirty="0" smtClean="0"/>
+              <a:t>Dinesh</a:t>
+            </a:r>
+          </a:p>
+          <a:p>
+            <a:r>
+              <a:rPr lang="en-US" dirty="0"/>
+              <a:t>	</a:t>
+            </a:r>
+            <a:r>
+              <a:rPr lang="en-US" dirty="0" err="1" smtClean="0"/>
+              <a:t>Anuj</a:t>
+            </a:r>
+            <a:endParaRPr lang="en-US" dirty="0" smtClean="0"/>
+          </a:p>
+          <a:p>
+            <a:r>
+              <a:rPr lang="en-US" dirty="0"/>
+              <a:t>	</a:t>
+            </a:r>
+            <a:r>
+              <a:rPr lang="en-US" dirty="0" err="1" smtClean="0"/>
+              <a:t>Mithun</a:t>
+            </a:r>
+            <a:endParaRPr lang="en-US" dirty="0" smtClean="0"/>
+          </a:p>
+          <a:p>
+            <a:r>
+              <a:rPr lang="en-US" dirty="0"/>
+              <a:t>	</a:t>
+            </a:r>
+            <a:r>
+              <a:rPr lang="en-US" dirty="0" smtClean="0"/>
+              <a:t>Santhosh</a:t>
+            </a:r>
+          </a:p>
+          <a:p>
+            <a:r>
+              <a:rPr lang="en-US" dirty="0"/>
+              <a:t>	</a:t>
+            </a:r>
+            <a:r>
+              <a:rPr lang="en-US" dirty="0" err="1" smtClean="0"/>
+              <a:t>Adhithya</a:t>
+            </a:r>
+            <a:r>
+              <a:rPr lang="en-US" dirty="0" smtClean="0"/>
+              <a:t> S</a:t>
+            </a:r>
+          </a:p>
+          <a:p>
+            <a:r>
+              <a:rPr lang="en-US" dirty="0"/>
+              <a:t>	</a:t>
+            </a:r>
+            <a:r>
+              <a:rPr lang="en-US" dirty="0" err="1" smtClean="0"/>
+              <a:t>Goutham</a:t>
+            </a:r>
+            <a:r>
+              <a:rPr lang="en-US" dirty="0" smtClean="0"/>
+              <a:t> Siva</a:t>
+            </a:r>
+          </a:p>
+          <a:p>
+            <a:r>
+              <a:rPr lang="en-US" dirty="0"/>
+              <a:t>	</a:t>
+            </a:r>
+            <a:r>
+              <a:rPr lang="en-US" dirty="0" smtClean="0"/>
+              <a:t>Hari</a:t>
+            </a:r>
+          </a:p>
+          <a:p>
+            <a:r>
+              <a:rPr lang="en-US" dirty="0"/>
+              <a:t>	</a:t>
+            </a:r>
+            <a:r>
+              <a:rPr lang="en-US" dirty="0" err="1" smtClean="0"/>
+              <a:t>Kenson</a:t>
+            </a:r>
+            <a:r>
+              <a:rPr lang="en-US" dirty="0" smtClean="0"/>
+              <a:t> Francis</a:t>
+            </a:r>
+          </a:p>
+          <a:p>
+            <a:r>
+              <a:rPr lang="en-US" dirty="0"/>
+              <a:t>	</a:t>
+            </a:r>
+            <a:r>
+              <a:rPr lang="en-US" dirty="0" err="1" smtClean="0"/>
+              <a:t>Sharan</a:t>
+            </a:r>
+            <a:endParaRPr lang="en-US" dirty="0" smtClean="0"/>
+          </a:p>
+          <a:p>
+            <a:r>
+              <a:rPr lang="en-US" dirty="0"/>
+              <a:t>	</a:t>
+            </a:r>
+            <a:r>
+              <a:rPr lang="en-US" dirty="0" err="1" smtClean="0"/>
+              <a:t>Sudharsan</a:t>
+            </a:r>
+            <a:endParaRPr lang="en-US" dirty="0" smtClean="0"/>
+          </a:p>
           <a:p>
             <a:pPr marL="285750" indent="-285750">
-              <a:buFont typeface="Arial" panose="020B0604020202020204" pitchFamily="34" charset="0"/>
-              <a:buChar char="•"/>
-            </a:pPr>
-            <a:r>
-              <a:rPr lang="en-US" dirty="0" smtClean="0"/>
-              <a:t>A self-organizing list is a list that re-orders its elements based on some self-organizing method in order to improve average access time.</a:t>
-            </a:r>
-          </a:p>
-          <a:p>
-            <a:pPr marL="285750" indent="-285750">
-              <a:buFont typeface="Arial" panose="020B0604020202020204" pitchFamily="34" charset="0"/>
-              <a:buChar char="•"/>
-            </a:pPr>
-            <a:r>
-              <a:rPr lang="en-US" dirty="0" smtClean="0"/>
-              <a:t>It uses a re-organizing algorithm to adapt to various query distributions at runtime.</a:t>
-            </a:r>
-          </a:p>
-          <a:p>
-            <a:pPr marL="285750" indent="-285750">
-              <a:buFont typeface="Arial" panose="020B0604020202020204" pitchFamily="34" charset="0"/>
-              <a:buChar char="•"/>
+              <a:buFontTx/>
+              <a:buChar char="-"/>
             </a:pPr>
             <a:endParaRPr lang="en-US" dirty="0" smtClean="0"/>
-          </a:p>
-          <a:p>
-            <a:pPr marL="285750" indent="-285750">
-              <a:buFont typeface="Arial" panose="020B0604020202020204" pitchFamily="34" charset="0"/>
-              <a:buChar char="•"/>
-            </a:pPr>
-            <a:endParaRPr lang="en-US" dirty="0"/>
-          </a:p>
-          <a:p>
-            <a:pPr marL="285750" indent="-285750">
-              <a:buFont typeface="Arial" panose="020B0604020202020204" pitchFamily="34" charset="0"/>
-              <a:buChar char="•"/>
-            </a:pPr>
-            <a:r>
-              <a:rPr lang="en-US" dirty="0" smtClean="0"/>
-              <a:t>A disjoint-set is a data structure that </a:t>
-            </a:r>
-            <a:r>
-              <a:rPr lang="en-US" dirty="0"/>
-              <a:t>stores non overlapping or disjoint subset of </a:t>
-            </a:r>
-            <a:r>
-              <a:rPr lang="en-US" dirty="0" smtClean="0"/>
-              <a:t>elements</a:t>
-            </a:r>
-          </a:p>
-          <a:p>
-            <a:pPr marL="285750" indent="-285750">
-              <a:buFont typeface="Arial" panose="020B0604020202020204" pitchFamily="34" charset="0"/>
-              <a:buChar char="•"/>
-            </a:pPr>
-            <a:r>
-              <a:rPr lang="en-US" dirty="0"/>
-              <a:t>It provides operations to efficiently manage these </a:t>
-            </a:r>
-            <a:r>
-              <a:rPr lang="en-US" dirty="0" smtClean="0"/>
-              <a:t>subsets and is commonly used in several algorithms.</a:t>
-            </a:r>
-            <a:endParaRPr lang="en-IN" dirty="0"/>
-          </a:p>
-          <a:p>
-            <a:pPr lvl="1"/>
-            <a:endParaRPr lang="en-IN" dirty="0"/>
           </a:p>
         </p:txBody>
       </p:sp>
@@ -3195,6 +3218,185 @@
       </p:grpSpPr>
       <p:sp>
         <p:nvSpPr>
+          <p:cNvPr id="2" name="Title 1"/>
+          <p:cNvSpPr>
+            <a:spLocks noGrp="1"/>
+          </p:cNvSpPr>
+          <p:nvPr>
+            <p:ph type="title"/>
+          </p:nvPr>
+        </p:nvSpPr>
+        <p:spPr/>
+        <p:txBody>
+          <a:bodyPr>
+            <a:normAutofit fontScale="90000"/>
+          </a:bodyPr>
+          <a:lstStyle/>
+          <a:p>
+            <a:r>
+              <a:rPr lang="en-US" dirty="0" smtClean="0"/>
+              <a:t>				</a:t>
+            </a:r>
+            <a:br>
+              <a:rPr lang="en-US" dirty="0" smtClean="0"/>
+            </a:br>
+            <a:r>
+              <a:rPr lang="en-US" dirty="0"/>
+              <a:t>	</a:t>
+            </a:r>
+            <a:r>
+              <a:rPr lang="en-US" dirty="0" smtClean="0"/>
+              <a:t>			</a:t>
+            </a:r>
+            <a:r>
+              <a:rPr lang="en-US" u="sng" dirty="0" smtClean="0">
+                <a:latin typeface="+mn-lt"/>
+              </a:rPr>
+              <a:t>Introduction</a:t>
+            </a:r>
+            <a:r>
+              <a:rPr lang="en-IN" u="sng" dirty="0">
+                <a:latin typeface="+mn-lt"/>
+              </a:rPr>
+              <a:t/>
+            </a:r>
+            <a:br>
+              <a:rPr lang="en-IN" u="sng" dirty="0">
+                <a:latin typeface="+mn-lt"/>
+              </a:rPr>
+            </a:br>
+            <a:endParaRPr lang="en-IN" dirty="0">
+              <a:latin typeface="+mn-lt"/>
+            </a:endParaRPr>
+          </a:p>
+        </p:txBody>
+      </p:sp>
+      <p:sp>
+        <p:nvSpPr>
+          <p:cNvPr id="3" name="TextBox 2"/>
+          <p:cNvSpPr txBox="1"/>
+          <p:nvPr/>
+        </p:nvSpPr>
+        <p:spPr>
+          <a:xfrm>
+            <a:off x="960582" y="2189018"/>
+            <a:ext cx="10714182" cy="2308324"/>
+          </a:xfrm>
+          <a:prstGeom prst="rect">
+            <a:avLst/>
+          </a:prstGeom>
+          <a:noFill/>
+        </p:spPr>
+        <p:txBody>
+          <a:bodyPr wrap="square" rtlCol="0">
+            <a:spAutoFit/>
+          </a:bodyPr>
+          <a:lstStyle/>
+          <a:p>
+            <a:pPr marL="285750" indent="-285750">
+              <a:buFont typeface="Arial" panose="020B0604020202020204" pitchFamily="34" charset="0"/>
+              <a:buChar char="•"/>
+            </a:pPr>
+            <a:r>
+              <a:rPr lang="en-US" dirty="0" smtClean="0"/>
+              <a:t>A self-organizing list is a list that re-orders its elements based on some self-organizing method in order to improve average access time.</a:t>
+            </a:r>
+          </a:p>
+          <a:p>
+            <a:pPr marL="285750" indent="-285750">
+              <a:buFont typeface="Arial" panose="020B0604020202020204" pitchFamily="34" charset="0"/>
+              <a:buChar char="•"/>
+            </a:pPr>
+            <a:r>
+              <a:rPr lang="en-US" dirty="0" smtClean="0"/>
+              <a:t>It uses a re-organizing algorithm to adapt to various query distributions at runtime.</a:t>
+            </a:r>
+          </a:p>
+          <a:p>
+            <a:pPr marL="285750" indent="-285750">
+              <a:buFont typeface="Arial" panose="020B0604020202020204" pitchFamily="34" charset="0"/>
+              <a:buChar char="•"/>
+            </a:pPr>
+            <a:endParaRPr lang="en-US" dirty="0" smtClean="0"/>
+          </a:p>
+          <a:p>
+            <a:pPr marL="285750" indent="-285750">
+              <a:buFont typeface="Arial" panose="020B0604020202020204" pitchFamily="34" charset="0"/>
+              <a:buChar char="•"/>
+            </a:pPr>
+            <a:endParaRPr lang="en-US" dirty="0"/>
+          </a:p>
+          <a:p>
+            <a:pPr marL="285750" indent="-285750">
+              <a:buFont typeface="Arial" panose="020B0604020202020204" pitchFamily="34" charset="0"/>
+              <a:buChar char="•"/>
+            </a:pPr>
+            <a:r>
+              <a:rPr lang="en-US" dirty="0" smtClean="0"/>
+              <a:t>A disjoint-set is a data structure that </a:t>
+            </a:r>
+            <a:r>
+              <a:rPr lang="en-US" dirty="0"/>
+              <a:t>stores non overlapping or disjoint subset of </a:t>
+            </a:r>
+            <a:r>
+              <a:rPr lang="en-US" dirty="0" smtClean="0"/>
+              <a:t>elements</a:t>
+            </a:r>
+          </a:p>
+          <a:p>
+            <a:pPr marL="285750" indent="-285750">
+              <a:buFont typeface="Arial" panose="020B0604020202020204" pitchFamily="34" charset="0"/>
+              <a:buChar char="•"/>
+            </a:pPr>
+            <a:r>
+              <a:rPr lang="en-US" dirty="0"/>
+              <a:t>It provides operations to efficiently manage these </a:t>
+            </a:r>
+            <a:r>
+              <a:rPr lang="en-US" dirty="0" smtClean="0"/>
+              <a:t>subsets and is commonly used in several algorithms.</a:t>
+            </a:r>
+            <a:endParaRPr lang="en-IN" dirty="0"/>
+          </a:p>
+          <a:p>
+            <a:pPr lvl="1"/>
+            <a:endParaRPr lang="en-IN" dirty="0"/>
+          </a:p>
+        </p:txBody>
+      </p:sp>
+    </p:spTree>
+    <p:extLst>
+      <p:ext uri="{BB962C8B-B14F-4D97-AF65-F5344CB8AC3E}">
+        <p14:creationId xmlns:p14="http://schemas.microsoft.com/office/powerpoint/2010/main" val="2646774262"/>
+      </p:ext>
+    </p:extLst>
+  </p:cSld>
+  <p:clrMapOvr>
+    <a:masterClrMapping/>
+  </p:clrMapOvr>
+</p:sld>
+</file>
+
+<file path=ppt/slides/slide3.xml><?xml version="1.0" encoding="utf-8"?>
+<p:sld xmlns:a="http://schemas.openxmlformats.org/drawingml/2006/main" xmlns:r="http://schemas.openxmlformats.org/officeDocument/2006/relationships" xmlns:p="http://schemas.openxmlformats.org/presentationml/2006/main">
+  <p:cSld>
+    <p:spTree>
+      <p:nvGrpSpPr>
+        <p:cNvPr id="1" name=""/>
+        <p:cNvGrpSpPr/>
+        <p:nvPr/>
+      </p:nvGrpSpPr>
+      <p:grpSpPr>
+        <a:xfrm>
+          <a:off x="0" y="0"/>
+          <a:ext cx="0" cy="0"/>
+          <a:chOff x="0" y="0"/>
+          <a:chExt cx="0" cy="0"/>
+        </a:xfrm>
+      </p:grpSpPr>
+      <p:sp>
+        <p:nvSpPr>
           <p:cNvPr id="6" name="Title 5"/>
           <p:cNvSpPr>
             <a:spLocks noGrp="1"/>
@@ -3288,7 +3490,19 @@
             </a:pPr>
             <a:r>
               <a:rPr lang="en-US" dirty="0" smtClean="0"/>
-              <a:t>Over the course of this project, we aim to implement disjoint set ADT using a  self-organizing list in order to be able to achieve this.</a:t>
+              <a:t>Over the course of this project, we aim to implement disjoint set ADT </a:t>
+            </a:r>
+            <a:r>
+              <a:rPr lang="en-US" dirty="0" smtClean="0"/>
+              <a:t>and a </a:t>
+            </a:r>
+            <a:r>
+              <a:rPr lang="en-US" dirty="0" smtClean="0"/>
+              <a:t>self-organizing </a:t>
+            </a:r>
+            <a:r>
+              <a:rPr lang="en-US" dirty="0" smtClean="0"/>
+              <a:t>list in order to be able to achieve this.</a:t>
             </a:r>
             <a:endParaRPr lang="en-IN" dirty="0"/>
           </a:p>
@@ -3307,7 +3521,7 @@
 </p:sld>
 </file>
 
-<file path=ppt/slides/slide3.xml><?xml version="1.0" encoding="utf-8"?>
+<file path=ppt/slides/slide4.xml><?xml version="1.0" encoding="utf-8"?>
 <p:sld xmlns:a="http://schemas.openxmlformats.org/drawingml/2006/main" xmlns:r="http://schemas.openxmlformats.org/officeDocument/2006/relationships" xmlns:p="http://schemas.openxmlformats.org/presentationml/2006/main">
   <p:cSld>
     <p:spTree>
@@ -3458,134 +3672,6 @@
 </p:sld>
 </file>
 
-<file path=ppt/slides/slide4.xml><?xml version="1.0" encoding="utf-8"?>
-<p:sld xmlns:a="http://schemas.openxmlformats.org/drawingml/2006/main" xmlns:r="http://schemas.openxmlformats.org/officeDocument/2006/relationships" xmlns:p="http://schemas.openxmlformats.org/presentationml/2006/main">
-  <p:cSld>
-    <p:spTree>
-      <p:nvGrpSpPr>
-        <p:cNvPr id="1" name=""/>
-        <p:cNvGrpSpPr/>
-        <p:nvPr/>
-      </p:nvGrpSpPr>
-      <p:grpSpPr>
-        <a:xfrm>
-          <a:off x="0" y="0"/>
-          <a:ext cx="0" cy="0"/>
-          <a:chOff x="0" y="0"/>
-          <a:chExt cx="0" cy="0"/>
-        </a:xfrm>
-      </p:grpSpPr>
-      <p:sp>
-        <p:nvSpPr>
-          <p:cNvPr id="2" name="Title 1"/>
-          <p:cNvSpPr>
-            <a:spLocks noGrp="1"/>
-          </p:cNvSpPr>
-          <p:nvPr>
-            <p:ph type="title"/>
-          </p:nvPr>
-        </p:nvSpPr>
-        <p:spPr/>
-        <p:txBody>
-          <a:bodyPr/>
-          <a:lstStyle/>
-          <a:p>
-            <a:r>
-              <a:rPr lang="en-US" dirty="0" smtClean="0"/>
-              <a:t>		             </a:t>
-            </a:r>
-            <a:r>
-              <a:rPr lang="en-US" sz="2800" u="sng" dirty="0" smtClean="0">
-                <a:latin typeface="+mn-lt"/>
-              </a:rPr>
-              <a:t>Self-Organizing List</a:t>
-            </a:r>
-            <a:endParaRPr lang="en-IN" sz="2800" u="sng" dirty="0">
-              <a:latin typeface="+mn-lt"/>
-            </a:endParaRPr>
-          </a:p>
-        </p:txBody>
-      </p:sp>
-      <p:sp>
-        <p:nvSpPr>
-          <p:cNvPr id="3" name="TextBox 2"/>
-          <p:cNvSpPr txBox="1"/>
-          <p:nvPr/>
-        </p:nvSpPr>
-        <p:spPr>
-          <a:xfrm>
-            <a:off x="528781" y="2124364"/>
-            <a:ext cx="10723419" cy="1754326"/>
-          </a:xfrm>
-          <a:prstGeom prst="rect">
-            <a:avLst/>
-          </a:prstGeom>
-          <a:noFill/>
-        </p:spPr>
-        <p:txBody>
-          <a:bodyPr wrap="square" rtlCol="0">
-            <a:spAutoFit/>
-          </a:bodyPr>
-          <a:lstStyle/>
-          <a:p>
-            <a:pPr marL="285750" indent="-285750">
-              <a:buFont typeface="Arial" panose="020B0604020202020204" pitchFamily="34" charset="0"/>
-              <a:buChar char="•"/>
-            </a:pPr>
-            <a:r>
-              <a:rPr lang="en-IN" dirty="0"/>
-              <a:t>A self-organizing list is a type of dynamic data structure in which the elements that are frequently accessed are moved closer to the front of the list to improve access time. </a:t>
-            </a:r>
-            <a:endParaRPr lang="en-IN" dirty="0" smtClean="0"/>
-          </a:p>
-          <a:p>
-            <a:pPr marL="285750" indent="-285750">
-              <a:buFont typeface="Arial" panose="020B0604020202020204" pitchFamily="34" charset="0"/>
-              <a:buChar char="•"/>
-            </a:pPr>
-            <a:r>
-              <a:rPr lang="en-IN" dirty="0" smtClean="0"/>
-              <a:t>Unlike </a:t>
-            </a:r>
-            <a:r>
-              <a:rPr lang="en-IN" dirty="0"/>
-              <a:t>traditional data structures where elements are stored in a fixed order, in a self-organizing list, the order of elements can change based on their access patterns. </a:t>
-            </a:r>
-            <a:endParaRPr lang="en-IN" dirty="0" smtClean="0"/>
-          </a:p>
-          <a:p>
-            <a:pPr marL="285750" indent="-285750">
-              <a:buFont typeface="Arial" panose="020B0604020202020204" pitchFamily="34" charset="0"/>
-              <a:buChar char="•"/>
-            </a:pPr>
-            <a:r>
-              <a:rPr lang="en-IN" dirty="0" smtClean="0"/>
-              <a:t>The </a:t>
-            </a:r>
-            <a:r>
-              <a:rPr lang="en-IN" dirty="0"/>
-              <a:t>goal is to reduce the average access time by organizing the elements in a way that optimizes the most frequent access patterns</a:t>
-            </a:r>
-            <a:r>
-              <a:rPr lang="en-IN" dirty="0" smtClean="0"/>
-              <a:t>.</a:t>
-            </a:r>
-          </a:p>
-        </p:txBody>
-      </p:sp>
-    </p:spTree>
-    <p:extLst>
-      <p:ext uri="{BB962C8B-B14F-4D97-AF65-F5344CB8AC3E}">
-        <p14:creationId xmlns:p14="http://schemas.microsoft.com/office/powerpoint/2010/main" val="2766063266"/>
-      </p:ext>
-    </p:extLst>
-  </p:cSld>
-  <p:clrMapOvr>
-    <a:masterClrMapping/>
-  </p:clrMapOvr>
-</p:sld>
-</file>
-
 <file path=ppt/slides/slide5.xml><?xml version="1.0" encoding="utf-8"?>
 <p:sld xmlns:a="http://schemas.openxmlformats.org/drawingml/2006/main" xmlns:r="http://schemas.openxmlformats.org/officeDocument/2006/relationships" xmlns:p="http://schemas.openxmlformats.org/presentationml/2006/main">
   <p:cSld>
@@ -3620,40 +3706,30 @@
           <a:p>
             <a:r>
               <a:rPr lang="en-US" dirty="0" smtClean="0"/>
-              <a:t>			</a:t>
-            </a:r>
-            <a:r>
-              <a:rPr lang="en-US" sz="2800" dirty="0">
-                <a:latin typeface="+mn-lt"/>
-              </a:rPr>
-              <a:t> </a:t>
-            </a:r>
-            <a:r>
-              <a:rPr lang="en-US" sz="2800" dirty="0" smtClean="0">
-                <a:latin typeface="+mn-lt"/>
-              </a:rPr>
-              <a:t>          </a:t>
+              <a:t>		             </a:t>
             </a:r>
             <a:r>
               <a:rPr lang="en-US" sz="2800" u="sng" dirty="0" smtClean="0">
                 <a:latin typeface="+mn-lt"/>
               </a:rPr>
-              <a:t>Functions Used</a:t>
-            </a:r>
-            <a:endParaRPr lang="en-IN" u="sng" dirty="0"/>
-          </a:p>
-        </p:txBody>
-      </p:sp>
-      <p:sp>
-        <p:nvSpPr>
-          <p:cNvPr id="7" name="TextBox 6"/>
+              <a:t>Self-Organizing List</a:t>
+            </a:r>
+            <a:endParaRPr lang="en-IN" sz="2800" u="sng" dirty="0">
+              <a:latin typeface="+mn-lt"/>
+            </a:endParaRPr>
+          </a:p>
+        </p:txBody>
+      </p:sp>
+      <p:sp>
+        <p:nvSpPr>
+          <p:cNvPr id="3" name="TextBox 2"/>
           <p:cNvSpPr txBox="1"/>
           <p:nvPr/>
         </p:nvSpPr>
         <p:spPr>
           <a:xfrm>
-            <a:off x="720436" y="1985818"/>
-            <a:ext cx="10464800" cy="2308324"/>
+            <a:off x="528781" y="2124364"/>
+            <a:ext cx="10723419" cy="1754326"/>
           </a:xfrm>
           <a:prstGeom prst="rect">
             <a:avLst/>
@@ -3666,77 +3742,55 @@
           </a:bodyPr>
           <a:lstStyle/>
           <a:p>
-            <a:r>
-              <a:rPr lang="en-US" u="sng" dirty="0" smtClean="0"/>
-              <a:t>Disjoint Set ADT</a:t>
-            </a:r>
-            <a:r>
-              <a:rPr lang="en-US" dirty="0" smtClean="0"/>
-              <a:t>:</a:t>
-            </a:r>
-          </a:p>
-          <a:p>
-            <a:r>
-              <a:rPr lang="en-US" dirty="0" smtClean="0"/>
-              <a:t>1. find(x):</a:t>
-            </a:r>
-          </a:p>
-          <a:p>
-            <a:pPr marL="1200150" lvl="2" indent="-285750">
+            <a:pPr marL="285750" indent="-285750">
               <a:buFont typeface="Arial" panose="020B0604020202020204" pitchFamily="34" charset="0"/>
               <a:buChar char="•"/>
             </a:pPr>
             <a:r>
-              <a:rPr lang="en-US" dirty="0" smtClean="0"/>
-              <a:t>Finds the representative (leader) of the set that element x belongs to.</a:t>
-            </a:r>
-          </a:p>
-          <a:p>
-            <a:pPr marL="1200150" lvl="2" indent="-285750">
+              <a:rPr lang="en-IN" dirty="0"/>
+              <a:t>A self-organizing list is a type of dynamic data structure in which the elements that are frequently accessed are moved closer to the front of the list to improve access time. </a:t>
+            </a:r>
+            <a:endParaRPr lang="en-IN" dirty="0" smtClean="0"/>
+          </a:p>
+          <a:p>
+            <a:pPr marL="285750" indent="-285750">
               <a:buFont typeface="Arial" panose="020B0604020202020204" pitchFamily="34" charset="0"/>
               <a:buChar char="•"/>
             </a:pPr>
             <a:r>
-              <a:rPr lang="en-US" dirty="0" smtClean="0"/>
-              <a:t>Often uses path compression to optimize the find operation.</a:t>
-            </a:r>
-          </a:p>
-          <a:p>
-            <a:endParaRPr lang="en-US" dirty="0" smtClean="0"/>
-          </a:p>
-          <a:p>
-            <a:r>
-              <a:rPr lang="en-US" dirty="0" smtClean="0"/>
-              <a:t>2. union(x, y):</a:t>
-            </a:r>
-          </a:p>
-          <a:p>
-            <a:pPr marL="1200150" lvl="2" indent="-285750">
+              <a:rPr lang="en-IN" dirty="0" smtClean="0"/>
+              <a:t>Unlike </a:t>
+            </a:r>
+            <a:r>
+              <a:rPr lang="en-IN" dirty="0"/>
+              <a:t>traditional data structures where elements are stored in a fixed order, in a self-organizing list, the order of elements can change based on their access patterns. </a:t>
+            </a:r>
+            <a:endParaRPr lang="en-IN" dirty="0" smtClean="0"/>
+          </a:p>
+          <a:p>
+            <a:pPr marL="285750" indent="-285750">
               <a:buFont typeface="Arial" panose="020B0604020202020204" pitchFamily="34" charset="0"/>
               <a:buChar char="•"/>
             </a:pPr>
             <a:r>
-              <a:rPr lang="en-US" dirty="0" smtClean="0"/>
-              <a:t>Merges the sets containing elements x and y into a single set.</a:t>
-            </a:r>
-          </a:p>
-          <a:p>
-            <a:pPr marL="1200150" lvl="2" indent="-285750">
-              <a:buFont typeface="Arial" panose="020B0604020202020204" pitchFamily="34" charset="0"/>
-              <a:buChar char="•"/>
-            </a:pPr>
-            <a:r>
-              <a:rPr lang="en-US" dirty="0" smtClean="0"/>
-              <a:t>Often uses union by rank or union by size to optimize the operation.</a:t>
-            </a:r>
-            <a:endParaRPr lang="en-IN" dirty="0"/>
+              <a:rPr lang="en-IN" dirty="0" smtClean="0"/>
+              <a:t>The </a:t>
+            </a:r>
+            <a:r>
+              <a:rPr lang="en-IN" dirty="0"/>
+              <a:t>goal is to reduce the average access time by organizing the elements in a way that optimizes the most frequent access patterns</a:t>
+            </a:r>
+            <a:r>
+              <a:rPr lang="en-IN" dirty="0" smtClean="0"/>
+              <a:t>.</a:t>
+            </a:r>
           </a:p>
         </p:txBody>
       </p:sp>
     </p:spTree>
     <p:extLst>
       <p:ext uri="{BB962C8B-B14F-4D97-AF65-F5344CB8AC3E}">
-        <p14:creationId xmlns:p14="http://schemas.microsoft.com/office/powerpoint/2010/main" val="554209472"/>
+        <p14:creationId xmlns:p14="http://schemas.microsoft.com/office/powerpoint/2010/main" val="2766063266"/>
       </p:ext>
     </p:extLst>
   </p:cSld>
@@ -3765,14 +3819,55 @@
       </p:grpSpPr>
       <p:sp>
         <p:nvSpPr>
-          <p:cNvPr id="2" name="TextBox 1"/>
+          <p:cNvPr id="2" name="Title 1"/>
+          <p:cNvSpPr>
+            <a:spLocks noGrp="1"/>
+          </p:cNvSpPr>
+          <p:nvPr>
+            <p:ph type="title"/>
+          </p:nvPr>
+        </p:nvSpPr>
+        <p:spPr/>
+        <p:txBody>
+          <a:bodyPr/>
+          <a:lstStyle/>
+          <a:p>
+            <a:r>
+              <a:rPr lang="en-US" dirty="0" smtClean="0"/>
+              <a:t>			</a:t>
+            </a:r>
+            <a:r>
+              <a:rPr lang="en-US" sz="2800" dirty="0">
+                <a:latin typeface="+mn-lt"/>
+              </a:rPr>
+              <a:t> </a:t>
+            </a:r>
+            <a:r>
+              <a:rPr lang="en-US" sz="2800" dirty="0" smtClean="0">
+                <a:latin typeface="+mn-lt"/>
+              </a:rPr>
+              <a:t>          </a:t>
+            </a:r>
+            <a:r>
+              <a:rPr lang="en-US" sz="2800" u="sng" dirty="0" smtClean="0">
+                <a:latin typeface="+mn-lt"/>
+              </a:rPr>
+              <a:t>Functions Used</a:t>
+            </a:r>
+            <a:endParaRPr lang="en-IN" u="sng" dirty="0"/>
+          </a:p>
+        </p:txBody>
+      </p:sp>
+      <p:sp>
+        <p:nvSpPr>
+          <p:cNvPr id="7" name="TextBox 6"/>
           <p:cNvSpPr txBox="1"/>
           <p:nvPr/>
         </p:nvSpPr>
         <p:spPr>
           <a:xfrm>
-            <a:off x="738909" y="600364"/>
-            <a:ext cx="10363200" cy="5078313"/>
+            <a:off x="720436" y="1985818"/>
+            <a:ext cx="10464800" cy="2308324"/>
           </a:xfrm>
           <a:prstGeom prst="rect">
             <a:avLst/>
@@ -3787,7 +3882,7 @@
           <a:p>
             <a:r>
               <a:rPr lang="en-US" u="sng" dirty="0" smtClean="0"/>
-              <a:t>Self-Organizing List</a:t>
+              <a:t>Disjoint Set ADT</a:t>
             </a:r>
             <a:r>
               <a:rPr lang="en-US" dirty="0" smtClean="0"/>
@@ -3797,149 +3892,56 @@
           <a:p>
             <a:r>
               <a:rPr lang="en-US" dirty="0" smtClean="0"/>
-              <a:t>1. search(key):</a:t>
-            </a:r>
-          </a:p>
-          <a:p>
-            <a:pPr marL="742950" lvl="1" indent="-285750">
+              <a:t>1. find(x):</a:t>
+            </a:r>
+          </a:p>
+          <a:p>
+            <a:pPr marL="1200150" lvl="2" indent="-285750">
               <a:buFont typeface="Arial" panose="020B0604020202020204" pitchFamily="34" charset="0"/>
               <a:buChar char="•"/>
             </a:pPr>
             <a:r>
               <a:rPr lang="en-US" dirty="0" smtClean="0"/>
-              <a:t>Searches for an element with the specified key in the list.</a:t>
-            </a:r>
-          </a:p>
-          <a:p>
-            <a:pPr marL="742950" lvl="1" indent="-285750">
+              <a:t>Finds the representative (leader) of the set that element x belongs to.</a:t>
+            </a:r>
+          </a:p>
+          <a:p>
+            <a:pPr marL="1200150" lvl="2" indent="-285750">
               <a:buFont typeface="Arial" panose="020B0604020202020204" pitchFamily="34" charset="0"/>
               <a:buChar char="•"/>
             </a:pPr>
             <a:r>
               <a:rPr lang="en-US" dirty="0" smtClean="0"/>
-              <a:t>After finding the element, the list is reorganized according to the chosen self-organizing strategy (e.g., move-to-front, transpose, count method).</a:t>
-            </a:r>
-          </a:p>
-          <a:p>
-            <a:r>
-              <a:rPr lang="en-US" dirty="0" smtClean="0"/>
-              <a:t>2. insert(key, value):</a:t>
-            </a:r>
-          </a:p>
-          <a:p>
-            <a:pPr marL="742950" lvl="1" indent="-285750">
+              <a:t>Often uses path compression to optimize the find operation.</a:t>
+            </a:r>
+          </a:p>
+          <a:p>
+            <a:endParaRPr lang="en-US" dirty="0" smtClean="0"/>
+          </a:p>
+          <a:p>
+            <a:r>
+              <a:rPr lang="en-US" dirty="0" smtClean="0"/>
+              <a:t>2. union(x, y):</a:t>
+            </a:r>
+          </a:p>
+          <a:p>
+            <a:pPr marL="1200150" lvl="2" indent="-285750">
               <a:buFont typeface="Arial" panose="020B0604020202020204" pitchFamily="34" charset="0"/>
               <a:buChar char="•"/>
             </a:pPr>
             <a:r>
               <a:rPr lang="en-US" dirty="0" smtClean="0"/>
-              <a:t>Inserts a new element with the specified key and value into the list.</a:t>
-            </a:r>
-          </a:p>
-          <a:p>
-            <a:pPr marL="742950" lvl="1" indent="-285750">
+              <a:t>Merges the sets containing elements x and y into a single set.</a:t>
+            </a:r>
+          </a:p>
+          <a:p>
+            <a:pPr marL="1200150" lvl="2" indent="-285750">
               <a:buFont typeface="Arial" panose="020B0604020202020204" pitchFamily="34" charset="0"/>
               <a:buChar char="•"/>
             </a:pPr>
             <a:r>
               <a:rPr lang="en-US" dirty="0" smtClean="0"/>
-              <a:t>The list may be reorganized as part of the insertion process.</a:t>
-            </a:r>
-          </a:p>
-          <a:p>
-            <a:r>
-              <a:rPr lang="en-US" dirty="0" smtClean="0"/>
-              <a:t>3. delete(key):</a:t>
-            </a:r>
-          </a:p>
-          <a:p>
-            <a:pPr marL="742950" lvl="1" indent="-285750">
-              <a:buFont typeface="Arial" panose="020B0604020202020204" pitchFamily="34" charset="0"/>
-              <a:buChar char="•"/>
-            </a:pPr>
-            <a:r>
-              <a:rPr lang="en-US" dirty="0" smtClean="0"/>
-              <a:t>Removes an element with the specified key from the list.</a:t>
-            </a:r>
-          </a:p>
-          <a:p>
-            <a:pPr marL="742950" lvl="1" indent="-285750">
-              <a:buFont typeface="Arial" panose="020B0604020202020204" pitchFamily="34" charset="0"/>
-              <a:buChar char="•"/>
-            </a:pPr>
-            <a:r>
-              <a:rPr lang="en-US" dirty="0" smtClean="0"/>
-              <a:t>The list may be reorganized as part of the deletion process.</a:t>
-            </a:r>
-          </a:p>
-          <a:p>
-            <a:r>
-              <a:rPr lang="en-US" dirty="0" smtClean="0"/>
-              <a:t>4. Self-Organizing Strategies:</a:t>
-            </a:r>
-          </a:p>
-          <a:p>
-            <a:r>
-              <a:rPr lang="en-US" dirty="0" smtClean="0"/>
-              <a:t>1) </a:t>
-            </a:r>
-            <a:r>
-              <a:rPr lang="en-US" dirty="0" err="1" smtClean="0"/>
-              <a:t>move_to_front</a:t>
-            </a:r>
-            <a:r>
-              <a:rPr lang="en-US" dirty="0" smtClean="0"/>
-              <a:t>(key):</a:t>
-            </a:r>
-          </a:p>
-          <a:p>
-            <a:pPr marL="742950" lvl="1" indent="-285750">
-              <a:buFont typeface="Arial" panose="020B0604020202020204" pitchFamily="34" charset="0"/>
-              <a:buChar char="•"/>
-            </a:pPr>
-            <a:r>
-              <a:rPr lang="en-US" dirty="0" smtClean="0"/>
-              <a:t>Moves the accessed element with the specified key to the front of the list.</a:t>
-            </a:r>
-          </a:p>
-          <a:p>
-            <a:r>
-              <a:rPr lang="en-US" dirty="0" smtClean="0"/>
-              <a:t>2) transpose(key):</a:t>
-            </a:r>
-          </a:p>
-          <a:p>
-            <a:pPr marL="742950" lvl="1" indent="-285750">
-              <a:buFont typeface="Arial" panose="020B0604020202020204" pitchFamily="34" charset="0"/>
-              <a:buChar char="•"/>
-            </a:pPr>
-            <a:r>
-              <a:rPr lang="en-US" dirty="0" smtClean="0"/>
-              <a:t>Swaps the accessed element with its predecessor in the list.</a:t>
-            </a:r>
-          </a:p>
-          <a:p>
-            <a:r>
-              <a:rPr lang="en-US" dirty="0" smtClean="0"/>
-              <a:t>3) </a:t>
-            </a:r>
-            <a:r>
-              <a:rPr lang="en-US" dirty="0" err="1" smtClean="0"/>
-              <a:t>count_method</a:t>
-            </a:r>
-            <a:r>
-              <a:rPr lang="en-US" dirty="0" smtClean="0"/>
-              <a:t>(key):</a:t>
-            </a:r>
-          </a:p>
-          <a:p>
-            <a:pPr marL="742950" lvl="1" indent="-285750">
-              <a:buFont typeface="Arial" panose="020B0604020202020204" pitchFamily="34" charset="0"/>
-              <a:buChar char="•"/>
-            </a:pPr>
-            <a:r>
-              <a:rPr lang="en-US" dirty="0" smtClean="0"/>
-              <a:t>Increments the access count of the element and reorganizes the list based on the count values.</a:t>
+              <a:t>Often uses union by rank or union by size to optimize the operation.</a:t>
             </a:r>
             <a:endParaRPr lang="en-IN" dirty="0"/>
           </a:p>
@@ -3948,7 +3950,7 @@
     </p:spTree>
     <p:extLst>
       <p:ext uri="{BB962C8B-B14F-4D97-AF65-F5344CB8AC3E}">
-        <p14:creationId xmlns:p14="http://schemas.microsoft.com/office/powerpoint/2010/main" val="976667597"/>
+        <p14:creationId xmlns:p14="http://schemas.microsoft.com/office/powerpoint/2010/main" val="554209472"/>
       </p:ext>
     </p:extLst>
   </p:cSld>
@@ -3977,6 +3979,218 @@
       </p:grpSpPr>
       <p:sp>
         <p:nvSpPr>
+          <p:cNvPr id="2" name="TextBox 1"/>
+          <p:cNvSpPr txBox="1"/>
+          <p:nvPr/>
+        </p:nvSpPr>
+        <p:spPr>
+          <a:xfrm>
+            <a:off x="738909" y="600364"/>
+            <a:ext cx="10363200" cy="5078313"/>
+          </a:xfrm>
+          <a:prstGeom prst="rect">
+            <a:avLst/>
+          </a:prstGeom>
+          <a:noFill/>
+        </p:spPr>
+        <p:txBody>
+          <a:bodyPr wrap="square" rtlCol="0">
+            <a:spAutoFit/>
+          </a:bodyPr>
+          <a:lstStyle/>
+          <a:p>
+            <a:r>
+              <a:rPr lang="en-US" u="sng" dirty="0" smtClean="0"/>
+              <a:t>Self-Organizing List</a:t>
+            </a:r>
+            <a:r>
+              <a:rPr lang="en-US" dirty="0" smtClean="0"/>
+              <a:t>:</a:t>
+            </a:r>
+          </a:p>
+          <a:p>
+            <a:r>
+              <a:rPr lang="en-US" dirty="0" smtClean="0"/>
+              <a:t>1. search(key):</a:t>
+            </a:r>
+          </a:p>
+          <a:p>
+            <a:pPr marL="742950" lvl="1" indent="-285750">
+              <a:buFont typeface="Arial" panose="020B0604020202020204" pitchFamily="34" charset="0"/>
+              <a:buChar char="•"/>
+            </a:pPr>
+            <a:r>
+              <a:rPr lang="en-US" dirty="0" smtClean="0"/>
+              <a:t>Searches for an element with the specified key in the list.</a:t>
+            </a:r>
+          </a:p>
+          <a:p>
+            <a:pPr marL="742950" lvl="1" indent="-285750">
+              <a:buFont typeface="Arial" panose="020B0604020202020204" pitchFamily="34" charset="0"/>
+              <a:buChar char="•"/>
+            </a:pPr>
+            <a:r>
+              <a:rPr lang="en-US" dirty="0" smtClean="0"/>
+              <a:t>After finding the element, the list is reorganized according to the chosen self-organizing strategy (e.g., move-to-front, transpose, count method).</a:t>
+            </a:r>
+          </a:p>
+          <a:p>
+            <a:r>
+              <a:rPr lang="en-US" dirty="0" smtClean="0"/>
+              <a:t>2. insert(key, value):</a:t>
+            </a:r>
+          </a:p>
+          <a:p>
+            <a:pPr marL="742950" lvl="1" indent="-285750">
+              <a:buFont typeface="Arial" panose="020B0604020202020204" pitchFamily="34" charset="0"/>
+              <a:buChar char="•"/>
+            </a:pPr>
+            <a:r>
+              <a:rPr lang="en-US" dirty="0" smtClean="0"/>
+              <a:t>Inserts a new element with the specified key and value into the list.</a:t>
+            </a:r>
+          </a:p>
+          <a:p>
+            <a:pPr marL="742950" lvl="1" indent="-285750">
+              <a:buFont typeface="Arial" panose="020B0604020202020204" pitchFamily="34" charset="0"/>
+              <a:buChar char="•"/>
+            </a:pPr>
+            <a:r>
+              <a:rPr lang="en-US" dirty="0" smtClean="0"/>
+              <a:t>The list may be reorganized as part of the insertion process.</a:t>
+            </a:r>
+          </a:p>
+          <a:p>
+            <a:r>
+              <a:rPr lang="en-US" dirty="0" smtClean="0"/>
+              <a:t>3. delete(key):</a:t>
+            </a:r>
+          </a:p>
+          <a:p>
+            <a:pPr marL="742950" lvl="1" indent="-285750">
+              <a:buFont typeface="Arial" panose="020B0604020202020204" pitchFamily="34" charset="0"/>
+              <a:buChar char="•"/>
+            </a:pPr>
+            <a:r>
+              <a:rPr lang="en-US" dirty="0" smtClean="0"/>
+              <a:t>Removes an element with the specified key from the list.</a:t>
+            </a:r>
+          </a:p>
+          <a:p>
+            <a:pPr marL="742950" lvl="1" indent="-285750">
+              <a:buFont typeface="Arial" panose="020B0604020202020204" pitchFamily="34" charset="0"/>
+              <a:buChar char="•"/>
+            </a:pPr>
+            <a:r>
+              <a:rPr lang="en-US" dirty="0" smtClean="0"/>
+              <a:t>The list may be reorganized as part of the deletion process.</a:t>
+            </a:r>
+          </a:p>
+          <a:p>
+            <a:r>
+              <a:rPr lang="en-US" dirty="0" smtClean="0"/>
+              <a:t>4. Self-Organizing Strategies:</a:t>
+            </a:r>
+          </a:p>
+          <a:p>
+            <a:r>
+              <a:rPr lang="en-US" dirty="0" smtClean="0"/>
+              <a:t>1) </a:t>
+            </a:r>
+            <a:r>
+              <a:rPr lang="en-US" dirty="0" err="1" smtClean="0"/>
+              <a:t>move_to_front</a:t>
+            </a:r>
+            <a:r>
+              <a:rPr lang="en-US" dirty="0" smtClean="0"/>
+              <a:t>(key):</a:t>
+            </a:r>
+          </a:p>
+          <a:p>
+            <a:pPr marL="742950" lvl="1" indent="-285750">
+              <a:buFont typeface="Arial" panose="020B0604020202020204" pitchFamily="34" charset="0"/>
+              <a:buChar char="•"/>
+            </a:pPr>
+            <a:r>
+              <a:rPr lang="en-US" dirty="0" smtClean="0"/>
+              <a:t>Moves the accessed element with the specified key to the front of the list.</a:t>
+            </a:r>
+          </a:p>
+          <a:p>
+            <a:r>
+              <a:rPr lang="en-US" dirty="0" smtClean="0"/>
+              <a:t>2) transpose(key):</a:t>
+            </a:r>
+          </a:p>
+          <a:p>
+            <a:pPr marL="742950" lvl="1" indent="-285750">
+              <a:buFont typeface="Arial" panose="020B0604020202020204" pitchFamily="34" charset="0"/>
+              <a:buChar char="•"/>
+            </a:pPr>
+            <a:r>
+              <a:rPr lang="en-US" dirty="0" smtClean="0"/>
+              <a:t>Swaps the accessed element with its predecessor in the list.</a:t>
+            </a:r>
+          </a:p>
+          <a:p>
+            <a:r>
+              <a:rPr lang="en-US" dirty="0" smtClean="0"/>
+              <a:t>3) </a:t>
+            </a:r>
+            <a:r>
+              <a:rPr lang="en-US" dirty="0" err="1" smtClean="0"/>
+              <a:t>count_method</a:t>
+            </a:r>
+            <a:r>
+              <a:rPr lang="en-US" dirty="0" smtClean="0"/>
+              <a:t>(key):</a:t>
+            </a:r>
+          </a:p>
+          <a:p>
+            <a:pPr marL="742950" lvl="1" indent="-285750">
+              <a:buFont typeface="Arial" panose="020B0604020202020204" pitchFamily="34" charset="0"/>
+              <a:buChar char="•"/>
+            </a:pPr>
+            <a:r>
+              <a:rPr lang="en-US" dirty="0" smtClean="0"/>
+              <a:t>Increments the access count of the element and reorganizes the list based on the count values.</a:t>
+            </a:r>
+            <a:endParaRPr lang="en-IN" dirty="0"/>
+          </a:p>
+        </p:txBody>
+      </p:sp>
+    </p:spTree>
+    <p:extLst>
+      <p:ext uri="{BB962C8B-B14F-4D97-AF65-F5344CB8AC3E}">
+        <p14:creationId xmlns:p14="http://schemas.microsoft.com/office/powerpoint/2010/main" val="976667597"/>
+      </p:ext>
+    </p:extLst>
+  </p:cSld>
+  <p:clrMapOvr>
+    <a:masterClrMapping/>
+  </p:clrMapOvr>
+</p:sld>
+</file>
+
+<file path=ppt/slides/slide8.xml><?xml version="1.0" encoding="utf-8"?>
+<p:sld xmlns:a="http://schemas.openxmlformats.org/drawingml/2006/main" xmlns:r="http://schemas.openxmlformats.org/officeDocument/2006/relationships" xmlns:p="http://schemas.openxmlformats.org/presentationml/2006/main">
+  <p:cSld>
+    <p:spTree>
+      <p:nvGrpSpPr>
+        <p:cNvPr id="1" name=""/>
+        <p:cNvGrpSpPr/>
+        <p:nvPr/>
+      </p:nvGrpSpPr>
+      <p:grpSpPr>
+        <a:xfrm>
+          <a:off x="0" y="0"/>
+          <a:ext cx="0" cy="0"/>
+          <a:chOff x="0" y="0"/>
+          <a:chExt cx="0" cy="0"/>
+        </a:xfrm>
+      </p:grpSpPr>
+      <p:sp>
+        <p:nvSpPr>
           <p:cNvPr id="2" name="Title 1"/>
           <p:cNvSpPr>
             <a:spLocks noGrp="1"/>
@@ -4155,7 +4369,7 @@
 </p:sld>
 </file>
 
-<file path=ppt/slides/slide8.xml><?xml version="1.0" encoding="utf-8"?>
+<file path=ppt/slides/slide9.xml><?xml version="1.0" encoding="utf-8"?>
 <p:sld xmlns:a="http://schemas.openxmlformats.org/drawingml/2006/main" xmlns:r="http://schemas.openxmlformats.org/officeDocument/2006/relationships" xmlns:p="http://schemas.openxmlformats.org/presentationml/2006/main">
   <p:cSld>
     <p:spTree>
